--- a/231108/231108ppt.pptx
+++ b/231108/231108ppt.pptx
@@ -3784,7 +3784,7 @@
 </file>
 
 <file path=ppt/slides/slide1.xml><?xml version="1.0" encoding="utf-8"?>
-<p:sld xmlns:a="http://schemas.openxmlformats.org/drawingml/2006/main" xmlns:r="http://schemas.openxmlformats.org/officeDocument/2006/relationships" xmlns:p="http://schemas.openxmlformats.org/presentationml/2006/main">
+<p:sld xmlns:a="http://schemas.openxmlformats.org/drawingml/2006/main" xmlns:r="http://schemas.openxmlformats.org/officeDocument/2006/relationships" xmlns:p="http://schemas.openxmlformats.org/presentationml/2006/main" show="0">
   <p:cSld>
     <p:bg>
       <p:bgPr>
@@ -3965,14 +3965,14 @@
   <p:clrMapOvr>
     <a:masterClrMapping/>
   </p:clrMapOvr>
-  <mc:AlternateContent xmlns:mc="http://schemas.openxmlformats.org/markup-compatibility/2006" xmlns:p159="http://schemas.microsoft.com/office/powerpoint/2015/09/main">
-    <mc:Choice Requires="p159">
-      <p:transition xmlns:p14="http://schemas.microsoft.com/office/powerpoint/2010/main" spd="slow" p14:dur="2000">
+  <mc:AlternateContent xmlns:mc="http://schemas.openxmlformats.org/markup-compatibility/2006">
+    <mc:Choice xmlns:p159="http://schemas.microsoft.com/office/powerpoint/2015/09/main" Requires="p159">
+      <p:transition xmlns:p14="http://schemas.microsoft.com/office/powerpoint/2010/main" spd="slow" p14:dur="2000" advTm="475">
         <p159:morph option="byObject"/>
       </p:transition>
     </mc:Choice>
-    <mc:Fallback xmlns="">
-      <p:transition spd="slow">
+    <mc:Fallback>
+      <p:transition spd="slow" advTm="475">
         <p:fade/>
       </p:transition>
     </mc:Fallback>
@@ -3981,7 +3981,7 @@
 </file>
 
 <file path=ppt/slides/slide10.xml><?xml version="1.0" encoding="utf-8"?>
-<p:sld xmlns:a="http://schemas.openxmlformats.org/drawingml/2006/main" xmlns:r="http://schemas.openxmlformats.org/officeDocument/2006/relationships" xmlns:p="http://schemas.openxmlformats.org/presentationml/2006/main">
+<p:sld xmlns:a="http://schemas.openxmlformats.org/drawingml/2006/main" xmlns:r="http://schemas.openxmlformats.org/officeDocument/2006/relationships" xmlns:p="http://schemas.openxmlformats.org/presentationml/2006/main" show="0">
   <p:cSld>
     <p:spTree>
       <p:nvGrpSpPr>
@@ -4486,23 +4486,19 @@
   <p:clrMapOvr>
     <a:masterClrMapping/>
   </p:clrMapOvr>
-  <mc:AlternateContent xmlns:mc="http://schemas.openxmlformats.org/markup-compatibility/2006" xmlns:p159="http://schemas.microsoft.com/office/powerpoint/2015/09/main">
-    <mc:Choice Requires="p159">
-      <p:transition xmlns:p14="http://schemas.microsoft.com/office/powerpoint/2010/main" spd="slow" p14:dur="2000">
-        <p159:morph option="byObject"/>
-      </p:transition>
+  <mc:AlternateContent xmlns:mc="http://schemas.openxmlformats.org/markup-compatibility/2006">
+    <mc:Choice xmlns:p14="http://schemas.microsoft.com/office/powerpoint/2010/main" Requires="p14">
+      <p:transition p14:dur="0"/>
     </mc:Choice>
-    <mc:Fallback xmlns="">
-      <p:transition spd="slow">
-        <p:fade/>
-      </p:transition>
+    <mc:Fallback>
+      <p:transition/>
     </mc:Fallback>
   </mc:AlternateContent>
 </p:sld>
 </file>
 
 <file path=ppt/slides/slide11.xml><?xml version="1.0" encoding="utf-8"?>
-<p:sld xmlns:a="http://schemas.openxmlformats.org/drawingml/2006/main" xmlns:r="http://schemas.openxmlformats.org/officeDocument/2006/relationships" xmlns:p="http://schemas.openxmlformats.org/presentationml/2006/main">
+<p:sld xmlns:a="http://schemas.openxmlformats.org/drawingml/2006/main" xmlns:r="http://schemas.openxmlformats.org/officeDocument/2006/relationships" xmlns:p="http://schemas.openxmlformats.org/presentationml/2006/main" show="0">
   <p:cSld>
     <p:bg>
       <p:bgPr>
@@ -4622,6 +4618,71 @@
           </a:p>
         </p:txBody>
       </p:sp>
+      <p:sp>
+        <p:nvSpPr>
+          <p:cNvPr id="4" name="TextBox 3">
+            <a:extLst>
+              <a:ext uri="{FF2B5EF4-FFF2-40B4-BE49-F238E27FC236}">
+                <a16:creationId xmlns:a16="http://schemas.microsoft.com/office/drawing/2014/main" id="{79E69E7E-8009-DAE3-B01F-A54220D69EBD}"/>
+              </a:ext>
+            </a:extLst>
+          </p:cNvPr>
+          <p:cNvSpPr txBox="1"/>
+          <p:nvPr/>
+        </p:nvSpPr>
+        <p:spPr>
+          <a:xfrm>
+            <a:off x="3559088" y="4857254"/>
+            <a:ext cx="5073826" cy="338554"/>
+          </a:xfrm>
+          <a:prstGeom prst="rect">
+            <a:avLst/>
+          </a:prstGeom>
+          <a:noFill/>
+        </p:spPr>
+        <p:txBody>
+          <a:bodyPr wrap="none" rtlCol="0">
+            <a:spAutoFit/>
+          </a:bodyPr>
+          <a:lstStyle/>
+          <a:p>
+            <a:pPr algn="ctr"/>
+            <a:r>
+              <a:rPr lang="ko-KR" altLang="en-US" sz="1600" dirty="0">
+                <a:solidFill>
+                  <a:schemeClr val="bg1"/>
+                </a:solidFill>
+                <a:latin typeface="G마켓 산스 TTF Bold" panose="02000000000000000000" pitchFamily="2" charset="-127"/>
+                <a:ea typeface="G마켓 산스 TTF Bold" panose="02000000000000000000" pitchFamily="2" charset="-127"/>
+              </a:rPr>
+              <a:t>출처</a:t>
+            </a:r>
+            <a:r>
+              <a:rPr lang="en-US" altLang="ko-KR" sz="1600" dirty="0">
+                <a:solidFill>
+                  <a:schemeClr val="bg1"/>
+                </a:solidFill>
+                <a:latin typeface="G마켓 산스 TTF Bold" panose="02000000000000000000" pitchFamily="2" charset="-127"/>
+                <a:ea typeface="G마켓 산스 TTF Bold" panose="02000000000000000000" pitchFamily="2" charset="-127"/>
+              </a:rPr>
+              <a:t>: </a:t>
+            </a:r>
+            <a:r>
+              <a:rPr lang="en-US" altLang="ko-KR" sz="1600" dirty="0">
+                <a:hlinkClick r:id="rId2"/>
+              </a:rPr>
+              <a:t>HTML Game Example (w3schools.com)</a:t>
+            </a:r>
+            <a:endParaRPr lang="ko-KR" altLang="en-US" sz="1600" dirty="0">
+              <a:solidFill>
+                <a:schemeClr val="bg1"/>
+              </a:solidFill>
+              <a:latin typeface="G마켓 산스 TTF Bold" panose="02000000000000000000" pitchFamily="2" charset="-127"/>
+              <a:ea typeface="G마켓 산스 TTF Bold" panose="02000000000000000000" pitchFamily="2" charset="-127"/>
+            </a:endParaRPr>
+          </a:p>
+        </p:txBody>
+      </p:sp>
     </p:spTree>
     <p:extLst>
       <p:ext uri="{BB962C8B-B14F-4D97-AF65-F5344CB8AC3E}">
@@ -4632,23 +4693,19 @@
   <p:clrMapOvr>
     <a:masterClrMapping/>
   </p:clrMapOvr>
-  <mc:AlternateContent xmlns:mc="http://schemas.openxmlformats.org/markup-compatibility/2006" xmlns:p159="http://schemas.microsoft.com/office/powerpoint/2015/09/main">
-    <mc:Choice Requires="p159">
-      <p:transition xmlns:p14="http://schemas.microsoft.com/office/powerpoint/2010/main" spd="slow" p14:dur="2000">
-        <p159:morph option="byObject"/>
-      </p:transition>
+  <mc:AlternateContent xmlns:mc="http://schemas.openxmlformats.org/markup-compatibility/2006">
+    <mc:Choice xmlns:p14="http://schemas.microsoft.com/office/powerpoint/2010/main" Requires="p14">
+      <p:transition p14:dur="0"/>
     </mc:Choice>
-    <mc:Fallback xmlns="">
-      <p:transition spd="slow">
-        <p:fade/>
-      </p:transition>
+    <mc:Fallback>
+      <p:transition/>
     </mc:Fallback>
   </mc:AlternateContent>
 </p:sld>
 </file>
 
 <file path=ppt/slides/slide2.xml><?xml version="1.0" encoding="utf-8"?>
-<p:sld xmlns:a="http://schemas.openxmlformats.org/drawingml/2006/main" xmlns:r="http://schemas.openxmlformats.org/officeDocument/2006/relationships" xmlns:p="http://schemas.openxmlformats.org/presentationml/2006/main">
+<p:sld xmlns:a="http://schemas.openxmlformats.org/drawingml/2006/main" xmlns:r="http://schemas.openxmlformats.org/officeDocument/2006/relationships" xmlns:p="http://schemas.openxmlformats.org/presentationml/2006/main" show="0">
   <p:cSld>
     <p:spTree>
       <p:nvGrpSpPr>
@@ -5117,23 +5174,19 @@
   <p:clrMapOvr>
     <a:masterClrMapping/>
   </p:clrMapOvr>
-  <mc:AlternateContent xmlns:mc="http://schemas.openxmlformats.org/markup-compatibility/2006" xmlns:p159="http://schemas.microsoft.com/office/powerpoint/2015/09/main">
-    <mc:Choice Requires="p159">
-      <p:transition xmlns:p14="http://schemas.microsoft.com/office/powerpoint/2010/main" spd="slow" p14:dur="2000">
-        <p159:morph option="byObject"/>
-      </p:transition>
+  <mc:AlternateContent xmlns:mc="http://schemas.openxmlformats.org/markup-compatibility/2006">
+    <mc:Choice xmlns:p14="http://schemas.microsoft.com/office/powerpoint/2010/main" Requires="p14">
+      <p:transition p14:dur="0" advTm="703"/>
     </mc:Choice>
-    <mc:Fallback xmlns="">
-      <p:transition spd="slow">
-        <p:fade/>
-      </p:transition>
+    <mc:Fallback>
+      <p:transition advTm="703"/>
     </mc:Fallback>
   </mc:AlternateContent>
 </p:sld>
 </file>
 
 <file path=ppt/slides/slide3.xml><?xml version="1.0" encoding="utf-8"?>
-<p:sld xmlns:a="http://schemas.openxmlformats.org/drawingml/2006/main" xmlns:r="http://schemas.openxmlformats.org/officeDocument/2006/relationships" xmlns:p="http://schemas.openxmlformats.org/presentationml/2006/main">
+<p:sld xmlns:a="http://schemas.openxmlformats.org/drawingml/2006/main" xmlns:r="http://schemas.openxmlformats.org/officeDocument/2006/relationships" xmlns:p="http://schemas.openxmlformats.org/presentationml/2006/main" show="0">
   <p:cSld>
     <p:spTree>
       <p:nvGrpSpPr>
@@ -5414,23 +5467,19 @@
   <p:clrMapOvr>
     <a:masterClrMapping/>
   </p:clrMapOvr>
-  <mc:AlternateContent xmlns:mc="http://schemas.openxmlformats.org/markup-compatibility/2006" xmlns:p159="http://schemas.microsoft.com/office/powerpoint/2015/09/main">
-    <mc:Choice Requires="p159">
-      <p:transition xmlns:p14="http://schemas.microsoft.com/office/powerpoint/2010/main" spd="slow" p14:dur="2000">
-        <p159:morph option="byObject"/>
-      </p:transition>
+  <mc:AlternateContent xmlns:mc="http://schemas.openxmlformats.org/markup-compatibility/2006">
+    <mc:Choice xmlns:p14="http://schemas.microsoft.com/office/powerpoint/2010/main" Requires="p14">
+      <p:transition p14:dur="0" advTm="571"/>
     </mc:Choice>
-    <mc:Fallback xmlns="">
-      <p:transition spd="slow">
-        <p:fade/>
-      </p:transition>
+    <mc:Fallback>
+      <p:transition advTm="571"/>
     </mc:Fallback>
   </mc:AlternateContent>
 </p:sld>
 </file>
 
 <file path=ppt/slides/slide4.xml><?xml version="1.0" encoding="utf-8"?>
-<p:sld xmlns:a="http://schemas.openxmlformats.org/drawingml/2006/main" xmlns:r="http://schemas.openxmlformats.org/officeDocument/2006/relationships" xmlns:p="http://schemas.openxmlformats.org/presentationml/2006/main">
+<p:sld xmlns:a="http://schemas.openxmlformats.org/drawingml/2006/main" xmlns:r="http://schemas.openxmlformats.org/officeDocument/2006/relationships" xmlns:p="http://schemas.openxmlformats.org/presentationml/2006/main" show="0">
   <p:cSld>
     <p:spTree>
       <p:nvGrpSpPr>
@@ -5808,23 +5857,19 @@
   <p:clrMapOvr>
     <a:masterClrMapping/>
   </p:clrMapOvr>
-  <mc:AlternateContent xmlns:mc="http://schemas.openxmlformats.org/markup-compatibility/2006" xmlns:p159="http://schemas.microsoft.com/office/powerpoint/2015/09/main">
-    <mc:Choice Requires="p159">
-      <p:transition xmlns:p14="http://schemas.microsoft.com/office/powerpoint/2010/main" spd="slow" p14:dur="2000">
-        <p159:morph option="byObject"/>
-      </p:transition>
+  <mc:AlternateContent xmlns:mc="http://schemas.openxmlformats.org/markup-compatibility/2006">
+    <mc:Choice xmlns:p14="http://schemas.microsoft.com/office/powerpoint/2010/main" Requires="p14">
+      <p:transition p14:dur="0"/>
     </mc:Choice>
-    <mc:Fallback xmlns="">
-      <p:transition spd="slow">
-        <p:fade/>
-      </p:transition>
+    <mc:Fallback>
+      <p:transition/>
     </mc:Fallback>
   </mc:AlternateContent>
 </p:sld>
 </file>
 
 <file path=ppt/slides/slide5.xml><?xml version="1.0" encoding="utf-8"?>
-<p:sld xmlns:a="http://schemas.openxmlformats.org/drawingml/2006/main" xmlns:r="http://schemas.openxmlformats.org/officeDocument/2006/relationships" xmlns:p="http://schemas.openxmlformats.org/presentationml/2006/main">
+<p:sld xmlns:a="http://schemas.openxmlformats.org/drawingml/2006/main" xmlns:r="http://schemas.openxmlformats.org/officeDocument/2006/relationships" xmlns:p="http://schemas.openxmlformats.org/presentationml/2006/main" show="0">
   <p:cSld>
     <p:spTree>
       <p:nvGrpSpPr>
@@ -6049,23 +6094,19 @@
   <p:clrMapOvr>
     <a:masterClrMapping/>
   </p:clrMapOvr>
-  <mc:AlternateContent xmlns:mc="http://schemas.openxmlformats.org/markup-compatibility/2006" xmlns:p159="http://schemas.microsoft.com/office/powerpoint/2015/09/main">
-    <mc:Choice Requires="p159">
-      <p:transition xmlns:p14="http://schemas.microsoft.com/office/powerpoint/2010/main" spd="slow" p14:dur="2000">
-        <p159:morph option="byObject"/>
-      </p:transition>
+  <mc:AlternateContent xmlns:mc="http://schemas.openxmlformats.org/markup-compatibility/2006">
+    <mc:Choice xmlns:p14="http://schemas.microsoft.com/office/powerpoint/2010/main" Requires="p14">
+      <p:transition p14:dur="0"/>
     </mc:Choice>
-    <mc:Fallback xmlns="">
-      <p:transition spd="slow">
-        <p:fade/>
-      </p:transition>
+    <mc:Fallback>
+      <p:transition/>
     </mc:Fallback>
   </mc:AlternateContent>
 </p:sld>
 </file>
 
 <file path=ppt/slides/slide6.xml><?xml version="1.0" encoding="utf-8"?>
-<p:sld xmlns:a="http://schemas.openxmlformats.org/drawingml/2006/main" xmlns:r="http://schemas.openxmlformats.org/officeDocument/2006/relationships" xmlns:p="http://schemas.openxmlformats.org/presentationml/2006/main">
+<p:sld xmlns:a="http://schemas.openxmlformats.org/drawingml/2006/main" xmlns:r="http://schemas.openxmlformats.org/officeDocument/2006/relationships" xmlns:p="http://schemas.openxmlformats.org/presentationml/2006/main" show="0">
   <p:cSld>
     <p:spTree>
       <p:nvGrpSpPr>
@@ -6619,23 +6660,19 @@
   <p:clrMapOvr>
     <a:masterClrMapping/>
   </p:clrMapOvr>
-  <mc:AlternateContent xmlns:mc="http://schemas.openxmlformats.org/markup-compatibility/2006" xmlns:p159="http://schemas.microsoft.com/office/powerpoint/2015/09/main">
-    <mc:Choice Requires="p159">
-      <p:transition xmlns:p14="http://schemas.microsoft.com/office/powerpoint/2010/main" spd="slow" p14:dur="2000">
-        <p159:morph option="byObject"/>
-      </p:transition>
+  <mc:AlternateContent xmlns:mc="http://schemas.openxmlformats.org/markup-compatibility/2006">
+    <mc:Choice xmlns:p14="http://schemas.microsoft.com/office/powerpoint/2010/main" Requires="p14">
+      <p:transition p14:dur="0"/>
     </mc:Choice>
-    <mc:Fallback xmlns="">
-      <p:transition spd="slow">
-        <p:fade/>
-      </p:transition>
+    <mc:Fallback>
+      <p:transition/>
     </mc:Fallback>
   </mc:AlternateContent>
 </p:sld>
 </file>
 
 <file path=ppt/slides/slide7.xml><?xml version="1.0" encoding="utf-8"?>
-<p:sld xmlns:a="http://schemas.openxmlformats.org/drawingml/2006/main" xmlns:r="http://schemas.openxmlformats.org/officeDocument/2006/relationships" xmlns:p="http://schemas.openxmlformats.org/presentationml/2006/main">
+<p:sld xmlns:a="http://schemas.openxmlformats.org/drawingml/2006/main" xmlns:r="http://schemas.openxmlformats.org/officeDocument/2006/relationships" xmlns:p="http://schemas.openxmlformats.org/presentationml/2006/main" show="0">
   <p:cSld>
     <p:spTree>
       <p:nvGrpSpPr>
@@ -7262,23 +7299,19 @@
   <p:clrMapOvr>
     <a:masterClrMapping/>
   </p:clrMapOvr>
-  <mc:AlternateContent xmlns:mc="http://schemas.openxmlformats.org/markup-compatibility/2006" xmlns:p159="http://schemas.microsoft.com/office/powerpoint/2015/09/main">
-    <mc:Choice Requires="p159">
-      <p:transition xmlns:p14="http://schemas.microsoft.com/office/powerpoint/2010/main" spd="slow" p14:dur="2000">
-        <p159:morph option="byObject"/>
-      </p:transition>
+  <mc:AlternateContent xmlns:mc="http://schemas.openxmlformats.org/markup-compatibility/2006">
+    <mc:Choice xmlns:p14="http://schemas.microsoft.com/office/powerpoint/2010/main" Requires="p14">
+      <p:transition p14:dur="0"/>
     </mc:Choice>
-    <mc:Fallback xmlns="">
-      <p:transition spd="slow">
-        <p:fade/>
-      </p:transition>
+    <mc:Fallback>
+      <p:transition/>
     </mc:Fallback>
   </mc:AlternateContent>
 </p:sld>
 </file>
 
 <file path=ppt/slides/slide8.xml><?xml version="1.0" encoding="utf-8"?>
-<p:sld xmlns:a="http://schemas.openxmlformats.org/drawingml/2006/main" xmlns:r="http://schemas.openxmlformats.org/officeDocument/2006/relationships" xmlns:p="http://schemas.openxmlformats.org/presentationml/2006/main">
+<p:sld xmlns:a="http://schemas.openxmlformats.org/drawingml/2006/main" xmlns:r="http://schemas.openxmlformats.org/officeDocument/2006/relationships" xmlns:p="http://schemas.openxmlformats.org/presentationml/2006/main" show="0">
   <p:cSld>
     <p:spTree>
       <p:nvGrpSpPr>
@@ -8008,23 +8041,19 @@
   <p:clrMapOvr>
     <a:masterClrMapping/>
   </p:clrMapOvr>
-  <mc:AlternateContent xmlns:mc="http://schemas.openxmlformats.org/markup-compatibility/2006" xmlns:p159="http://schemas.microsoft.com/office/powerpoint/2015/09/main">
-    <mc:Choice Requires="p159">
-      <p:transition xmlns:p14="http://schemas.microsoft.com/office/powerpoint/2010/main" spd="slow" p14:dur="2000">
-        <p159:morph option="byObject"/>
-      </p:transition>
+  <mc:AlternateContent xmlns:mc="http://schemas.openxmlformats.org/markup-compatibility/2006">
+    <mc:Choice xmlns:p14="http://schemas.microsoft.com/office/powerpoint/2010/main" Requires="p14">
+      <p:transition p14:dur="0"/>
     </mc:Choice>
-    <mc:Fallback xmlns="">
-      <p:transition spd="slow">
-        <p:fade/>
-      </p:transition>
+    <mc:Fallback>
+      <p:transition/>
     </mc:Fallback>
   </mc:AlternateContent>
 </p:sld>
 </file>
 
 <file path=ppt/slides/slide9.xml><?xml version="1.0" encoding="utf-8"?>
-<p:sld xmlns:a="http://schemas.openxmlformats.org/drawingml/2006/main" xmlns:r="http://schemas.openxmlformats.org/officeDocument/2006/relationships" xmlns:p="http://schemas.openxmlformats.org/presentationml/2006/main">
+<p:sld xmlns:a="http://schemas.openxmlformats.org/drawingml/2006/main" xmlns:r="http://schemas.openxmlformats.org/officeDocument/2006/relationships" xmlns:p="http://schemas.openxmlformats.org/presentationml/2006/main" show="0">
   <p:cSld>
     <p:spTree>
       <p:nvGrpSpPr>
@@ -8703,16 +8732,12 @@
   <p:clrMapOvr>
     <a:masterClrMapping/>
   </p:clrMapOvr>
-  <mc:AlternateContent xmlns:mc="http://schemas.openxmlformats.org/markup-compatibility/2006" xmlns:p159="http://schemas.microsoft.com/office/powerpoint/2015/09/main">
-    <mc:Choice Requires="p159">
-      <p:transition xmlns:p14="http://schemas.microsoft.com/office/powerpoint/2010/main" spd="slow" p14:dur="2000">
-        <p159:morph option="byObject"/>
-      </p:transition>
+  <mc:AlternateContent xmlns:mc="http://schemas.openxmlformats.org/markup-compatibility/2006">
+    <mc:Choice xmlns:p14="http://schemas.microsoft.com/office/powerpoint/2010/main" Requires="p14">
+      <p:transition p14:dur="0"/>
     </mc:Choice>
-    <mc:Fallback xmlns="">
-      <p:transition spd="slow">
-        <p:fade/>
-      </p:transition>
+    <mc:Fallback>
+      <p:transition/>
     </mc:Fallback>
   </mc:AlternateContent>
 </p:sld>

--- a/231108/231108ppt.pptx
+++ b/231108/231108ppt.pptx
@@ -3966,15 +3966,11 @@
     <a:masterClrMapping/>
   </p:clrMapOvr>
   <mc:AlternateContent xmlns:mc="http://schemas.openxmlformats.org/markup-compatibility/2006">
-    <mc:Choice xmlns:p159="http://schemas.microsoft.com/office/powerpoint/2015/09/main" Requires="p159">
-      <p:transition xmlns:p14="http://schemas.microsoft.com/office/powerpoint/2010/main" spd="slow" p14:dur="2000" advTm="475">
-        <p159:morph option="byObject"/>
-      </p:transition>
+    <mc:Choice xmlns:p14="http://schemas.microsoft.com/office/powerpoint/2010/main" Requires="p14">
+      <p:transition p14:dur="10" advTm="475"/>
     </mc:Choice>
     <mc:Fallback>
-      <p:transition spd="slow" advTm="475">
-        <p:fade/>
-      </p:transition>
+      <p:transition advTm="475"/>
     </mc:Fallback>
   </mc:AlternateContent>
 </p:sld>
@@ -4486,11 +4482,11 @@
   <p:clrMapOvr>
     <a:masterClrMapping/>
   </p:clrMapOvr>
-  <mc:AlternateContent xmlns:mc="http://schemas.openxmlformats.org/markup-compatibility/2006">
-    <mc:Choice xmlns:p14="http://schemas.microsoft.com/office/powerpoint/2010/main" Requires="p14">
+  <mc:AlternateContent xmlns:mc="http://schemas.openxmlformats.org/markup-compatibility/2006" xmlns:p14="http://schemas.microsoft.com/office/powerpoint/2010/main">
+    <mc:Choice Requires="p14">
       <p:transition p14:dur="0"/>
     </mc:Choice>
-    <mc:Fallback>
+    <mc:Fallback xmlns="">
       <p:transition/>
     </mc:Fallback>
   </mc:AlternateContent>
@@ -4693,11 +4689,11 @@
   <p:clrMapOvr>
     <a:masterClrMapping/>
   </p:clrMapOvr>
-  <mc:AlternateContent xmlns:mc="http://schemas.openxmlformats.org/markup-compatibility/2006">
-    <mc:Choice xmlns:p14="http://schemas.microsoft.com/office/powerpoint/2010/main" Requires="p14">
+  <mc:AlternateContent xmlns:mc="http://schemas.openxmlformats.org/markup-compatibility/2006" xmlns:p14="http://schemas.microsoft.com/office/powerpoint/2010/main">
+    <mc:Choice Requires="p14">
       <p:transition p14:dur="0"/>
     </mc:Choice>
-    <mc:Fallback>
+    <mc:Fallback xmlns="">
       <p:transition/>
     </mc:Fallback>
   </mc:AlternateContent>
@@ -5174,11 +5170,11 @@
   <p:clrMapOvr>
     <a:masterClrMapping/>
   </p:clrMapOvr>
-  <mc:AlternateContent xmlns:mc="http://schemas.openxmlformats.org/markup-compatibility/2006">
-    <mc:Choice xmlns:p14="http://schemas.microsoft.com/office/powerpoint/2010/main" Requires="p14">
+  <mc:AlternateContent xmlns:mc="http://schemas.openxmlformats.org/markup-compatibility/2006" xmlns:p14="http://schemas.microsoft.com/office/powerpoint/2010/main">
+    <mc:Choice Requires="p14">
       <p:transition p14:dur="0" advTm="703"/>
     </mc:Choice>
-    <mc:Fallback>
+    <mc:Fallback xmlns="">
       <p:transition advTm="703"/>
     </mc:Fallback>
   </mc:AlternateContent>
@@ -5467,11 +5463,11 @@
   <p:clrMapOvr>
     <a:masterClrMapping/>
   </p:clrMapOvr>
-  <mc:AlternateContent xmlns:mc="http://schemas.openxmlformats.org/markup-compatibility/2006">
-    <mc:Choice xmlns:p14="http://schemas.microsoft.com/office/powerpoint/2010/main" Requires="p14">
+  <mc:AlternateContent xmlns:mc="http://schemas.openxmlformats.org/markup-compatibility/2006" xmlns:p14="http://schemas.microsoft.com/office/powerpoint/2010/main">
+    <mc:Choice Requires="p14">
       <p:transition p14:dur="0" advTm="571"/>
     </mc:Choice>
-    <mc:Fallback>
+    <mc:Fallback xmlns="">
       <p:transition advTm="571"/>
     </mc:Fallback>
   </mc:AlternateContent>
@@ -5857,11 +5853,11 @@
   <p:clrMapOvr>
     <a:masterClrMapping/>
   </p:clrMapOvr>
-  <mc:AlternateContent xmlns:mc="http://schemas.openxmlformats.org/markup-compatibility/2006">
-    <mc:Choice xmlns:p14="http://schemas.microsoft.com/office/powerpoint/2010/main" Requires="p14">
+  <mc:AlternateContent xmlns:mc="http://schemas.openxmlformats.org/markup-compatibility/2006" xmlns:p14="http://schemas.microsoft.com/office/powerpoint/2010/main">
+    <mc:Choice Requires="p14">
       <p:transition p14:dur="0"/>
     </mc:Choice>
-    <mc:Fallback>
+    <mc:Fallback xmlns="">
       <p:transition/>
     </mc:Fallback>
   </mc:AlternateContent>
@@ -6094,11 +6090,11 @@
   <p:clrMapOvr>
     <a:masterClrMapping/>
   </p:clrMapOvr>
-  <mc:AlternateContent xmlns:mc="http://schemas.openxmlformats.org/markup-compatibility/2006">
-    <mc:Choice xmlns:p14="http://schemas.microsoft.com/office/powerpoint/2010/main" Requires="p14">
+  <mc:AlternateContent xmlns:mc="http://schemas.openxmlformats.org/markup-compatibility/2006" xmlns:p14="http://schemas.microsoft.com/office/powerpoint/2010/main">
+    <mc:Choice Requires="p14">
       <p:transition p14:dur="0"/>
     </mc:Choice>
-    <mc:Fallback>
+    <mc:Fallback xmlns="">
       <p:transition/>
     </mc:Fallback>
   </mc:AlternateContent>
@@ -6660,11 +6656,11 @@
   <p:clrMapOvr>
     <a:masterClrMapping/>
   </p:clrMapOvr>
-  <mc:AlternateContent xmlns:mc="http://schemas.openxmlformats.org/markup-compatibility/2006">
-    <mc:Choice xmlns:p14="http://schemas.microsoft.com/office/powerpoint/2010/main" Requires="p14">
+  <mc:AlternateContent xmlns:mc="http://schemas.openxmlformats.org/markup-compatibility/2006" xmlns:p14="http://schemas.microsoft.com/office/powerpoint/2010/main">
+    <mc:Choice Requires="p14">
       <p:transition p14:dur="0"/>
     </mc:Choice>
-    <mc:Fallback>
+    <mc:Fallback xmlns="">
       <p:transition/>
     </mc:Fallback>
   </mc:AlternateContent>
@@ -7299,11 +7295,11 @@
   <p:clrMapOvr>
     <a:masterClrMapping/>
   </p:clrMapOvr>
-  <mc:AlternateContent xmlns:mc="http://schemas.openxmlformats.org/markup-compatibility/2006">
-    <mc:Choice xmlns:p14="http://schemas.microsoft.com/office/powerpoint/2010/main" Requires="p14">
+  <mc:AlternateContent xmlns:mc="http://schemas.openxmlformats.org/markup-compatibility/2006" xmlns:p14="http://schemas.microsoft.com/office/powerpoint/2010/main">
+    <mc:Choice Requires="p14">
       <p:transition p14:dur="0"/>
     </mc:Choice>
-    <mc:Fallback>
+    <mc:Fallback xmlns="">
       <p:transition/>
     </mc:Fallback>
   </mc:AlternateContent>
@@ -8041,11 +8037,11 @@
   <p:clrMapOvr>
     <a:masterClrMapping/>
   </p:clrMapOvr>
-  <mc:AlternateContent xmlns:mc="http://schemas.openxmlformats.org/markup-compatibility/2006">
-    <mc:Choice xmlns:p14="http://schemas.microsoft.com/office/powerpoint/2010/main" Requires="p14">
+  <mc:AlternateContent xmlns:mc="http://schemas.openxmlformats.org/markup-compatibility/2006" xmlns:p14="http://schemas.microsoft.com/office/powerpoint/2010/main">
+    <mc:Choice Requires="p14">
       <p:transition p14:dur="0"/>
     </mc:Choice>
-    <mc:Fallback>
+    <mc:Fallback xmlns="">
       <p:transition/>
     </mc:Fallback>
   </mc:AlternateContent>
@@ -8732,11 +8728,11 @@
   <p:clrMapOvr>
     <a:masterClrMapping/>
   </p:clrMapOvr>
-  <mc:AlternateContent xmlns:mc="http://schemas.openxmlformats.org/markup-compatibility/2006">
-    <mc:Choice xmlns:p14="http://schemas.microsoft.com/office/powerpoint/2010/main" Requires="p14">
+  <mc:AlternateContent xmlns:mc="http://schemas.openxmlformats.org/markup-compatibility/2006" xmlns:p14="http://schemas.microsoft.com/office/powerpoint/2010/main">
+    <mc:Choice Requires="p14">
       <p:transition p14:dur="0"/>
     </mc:Choice>
-    <mc:Fallback>
+    <mc:Fallback xmlns="">
       <p:transition/>
     </mc:Fallback>
   </mc:AlternateContent>

--- a/231108/231108ppt.pptx
+++ b/231108/231108ppt.pptx
@@ -118,25 +118,6 @@
     </a:lvl9pPr>
   </p:defaultTextStyle>
   <p:extLst>
-    <p:ext uri="{521415D9-36F7-43E2-AB2F-B90AF26B5E84}">
-      <p14:sectionLst xmlns:p14="http://schemas.microsoft.com/office/powerpoint/2010/main">
-        <p14:section name="표지 및 목차" id="{9AC440C7-35A5-4C66-85C0-57ABA215A4CD}">
-          <p14:sldIdLst>
-            <p14:sldId id="274"/>
-            <p14:sldId id="256"/>
-            <p14:sldId id="275"/>
-            <p14:sldId id="299"/>
-            <p14:sldId id="278"/>
-            <p14:sldId id="300"/>
-            <p14:sldId id="301"/>
-            <p14:sldId id="302"/>
-            <p14:sldId id="303"/>
-            <p14:sldId id="304"/>
-            <p14:sldId id="305"/>
-          </p14:sldIdLst>
-        </p14:section>
-      </p14:sectionLst>
-    </p:ext>
     <p:ext uri="{EFAFB233-063F-42B5-8137-9DF3F51BA10A}">
       <p15:sldGuideLst xmlns:p15="http://schemas.microsoft.com/office/powerpoint/2012/main">
         <p15:guide id="1" orient="horz" pos="2160" userDrawn="1">
@@ -564,16 +545,12 @@
   <p:clrMapOvr>
     <a:masterClrMapping/>
   </p:clrMapOvr>
-  <mc:AlternateContent xmlns:mc="http://schemas.openxmlformats.org/markup-compatibility/2006" xmlns:p159="http://schemas.microsoft.com/office/powerpoint/2015/09/main">
-    <mc:Choice Requires="p159">
-      <p:transition xmlns:p14="http://schemas.microsoft.com/office/powerpoint/2010/main" spd="slow" p14:dur="2000">
-        <p159:morph option="byObject"/>
-      </p:transition>
+  <mc:AlternateContent xmlns:mc="http://schemas.openxmlformats.org/markup-compatibility/2006">
+    <mc:Choice xmlns:p14="http://schemas.microsoft.com/office/powerpoint/2010/main" Requires="p14">
+      <p:transition p14:dur="10"/>
     </mc:Choice>
-    <mc:Fallback xmlns="">
-      <p:transition spd="slow">
-        <p:fade/>
-      </p:transition>
+    <mc:Fallback>
+      <p:transition/>
     </mc:Fallback>
   </mc:AlternateContent>
 </p:sldLayout>
@@ -774,16 +751,12 @@
   <p:clrMapOvr>
     <a:masterClrMapping/>
   </p:clrMapOvr>
-  <mc:AlternateContent xmlns:mc="http://schemas.openxmlformats.org/markup-compatibility/2006" xmlns:p159="http://schemas.microsoft.com/office/powerpoint/2015/09/main">
-    <mc:Choice Requires="p159">
-      <p:transition xmlns:p14="http://schemas.microsoft.com/office/powerpoint/2010/main" spd="slow" p14:dur="2000">
-        <p159:morph option="byObject"/>
-      </p:transition>
+  <mc:AlternateContent xmlns:mc="http://schemas.openxmlformats.org/markup-compatibility/2006">
+    <mc:Choice xmlns:p14="http://schemas.microsoft.com/office/powerpoint/2010/main" Requires="p14">
+      <p:transition p14:dur="10"/>
     </mc:Choice>
-    <mc:Fallback xmlns="">
-      <p:transition spd="slow">
-        <p:fade/>
-      </p:transition>
+    <mc:Fallback>
+      <p:transition/>
     </mc:Fallback>
   </mc:AlternateContent>
 </p:sldLayout>
@@ -994,16 +967,12 @@
   <p:clrMapOvr>
     <a:masterClrMapping/>
   </p:clrMapOvr>
-  <mc:AlternateContent xmlns:mc="http://schemas.openxmlformats.org/markup-compatibility/2006" xmlns:p159="http://schemas.microsoft.com/office/powerpoint/2015/09/main">
-    <mc:Choice Requires="p159">
-      <p:transition xmlns:p14="http://schemas.microsoft.com/office/powerpoint/2010/main" spd="slow" p14:dur="2000">
-        <p159:morph option="byObject"/>
-      </p:transition>
+  <mc:AlternateContent xmlns:mc="http://schemas.openxmlformats.org/markup-compatibility/2006">
+    <mc:Choice xmlns:p14="http://schemas.microsoft.com/office/powerpoint/2010/main" Requires="p14">
+      <p:transition p14:dur="10"/>
     </mc:Choice>
-    <mc:Fallback xmlns="">
-      <p:transition spd="slow">
-        <p:fade/>
-      </p:transition>
+    <mc:Fallback>
+      <p:transition/>
     </mc:Fallback>
   </mc:AlternateContent>
 </p:sldLayout>
@@ -1204,16 +1173,12 @@
   <p:clrMapOvr>
     <a:masterClrMapping/>
   </p:clrMapOvr>
-  <mc:AlternateContent xmlns:mc="http://schemas.openxmlformats.org/markup-compatibility/2006" xmlns:p159="http://schemas.microsoft.com/office/powerpoint/2015/09/main">
-    <mc:Choice Requires="p159">
-      <p:transition xmlns:p14="http://schemas.microsoft.com/office/powerpoint/2010/main" spd="slow" p14:dur="2000">
-        <p159:morph option="byObject"/>
-      </p:transition>
+  <mc:AlternateContent xmlns:mc="http://schemas.openxmlformats.org/markup-compatibility/2006">
+    <mc:Choice xmlns:p14="http://schemas.microsoft.com/office/powerpoint/2010/main" Requires="p14">
+      <p:transition p14:dur="10"/>
     </mc:Choice>
-    <mc:Fallback xmlns="">
-      <p:transition spd="slow">
-        <p:fade/>
-      </p:transition>
+    <mc:Fallback>
+      <p:transition/>
     </mc:Fallback>
   </mc:AlternateContent>
 </p:sldLayout>
@@ -1491,16 +1456,12 @@
   <p:clrMapOvr>
     <a:masterClrMapping/>
   </p:clrMapOvr>
-  <mc:AlternateContent xmlns:mc="http://schemas.openxmlformats.org/markup-compatibility/2006" xmlns:p159="http://schemas.microsoft.com/office/powerpoint/2015/09/main">
-    <mc:Choice Requires="p159">
-      <p:transition xmlns:p14="http://schemas.microsoft.com/office/powerpoint/2010/main" spd="slow" p14:dur="2000">
-        <p159:morph option="byObject"/>
-      </p:transition>
+  <mc:AlternateContent xmlns:mc="http://schemas.openxmlformats.org/markup-compatibility/2006">
+    <mc:Choice xmlns:p14="http://schemas.microsoft.com/office/powerpoint/2010/main" Requires="p14">
+      <p:transition p14:dur="10"/>
     </mc:Choice>
-    <mc:Fallback xmlns="">
-      <p:transition spd="slow">
-        <p:fade/>
-      </p:transition>
+    <mc:Fallback>
+      <p:transition/>
     </mc:Fallback>
   </mc:AlternateContent>
 </p:sldLayout>
@@ -1768,16 +1729,12 @@
   <p:clrMapOvr>
     <a:masterClrMapping/>
   </p:clrMapOvr>
-  <mc:AlternateContent xmlns:mc="http://schemas.openxmlformats.org/markup-compatibility/2006" xmlns:p159="http://schemas.microsoft.com/office/powerpoint/2015/09/main">
-    <mc:Choice Requires="p159">
-      <p:transition xmlns:p14="http://schemas.microsoft.com/office/powerpoint/2010/main" spd="slow" p14:dur="2000">
-        <p159:morph option="byObject"/>
-      </p:transition>
+  <mc:AlternateContent xmlns:mc="http://schemas.openxmlformats.org/markup-compatibility/2006">
+    <mc:Choice xmlns:p14="http://schemas.microsoft.com/office/powerpoint/2010/main" Requires="p14">
+      <p:transition p14:dur="10"/>
     </mc:Choice>
-    <mc:Fallback xmlns="">
-      <p:transition spd="slow">
-        <p:fade/>
-      </p:transition>
+    <mc:Fallback>
+      <p:transition/>
     </mc:Fallback>
   </mc:AlternateContent>
 </p:sldLayout>
@@ -2192,16 +2149,12 @@
   <p:clrMapOvr>
     <a:masterClrMapping/>
   </p:clrMapOvr>
-  <mc:AlternateContent xmlns:mc="http://schemas.openxmlformats.org/markup-compatibility/2006" xmlns:p159="http://schemas.microsoft.com/office/powerpoint/2015/09/main">
-    <mc:Choice Requires="p159">
-      <p:transition xmlns:p14="http://schemas.microsoft.com/office/powerpoint/2010/main" spd="slow" p14:dur="2000">
-        <p159:morph option="byObject"/>
-      </p:transition>
+  <mc:AlternateContent xmlns:mc="http://schemas.openxmlformats.org/markup-compatibility/2006">
+    <mc:Choice xmlns:p14="http://schemas.microsoft.com/office/powerpoint/2010/main" Requires="p14">
+      <p:transition p14:dur="10"/>
     </mc:Choice>
-    <mc:Fallback xmlns="">
-      <p:transition spd="slow">
-        <p:fade/>
-      </p:transition>
+    <mc:Fallback>
+      <p:transition/>
     </mc:Fallback>
   </mc:AlternateContent>
 </p:sldLayout>
@@ -2345,16 +2298,12 @@
   <p:clrMapOvr>
     <a:masterClrMapping/>
   </p:clrMapOvr>
-  <mc:AlternateContent xmlns:mc="http://schemas.openxmlformats.org/markup-compatibility/2006" xmlns:p159="http://schemas.microsoft.com/office/powerpoint/2015/09/main">
-    <mc:Choice Requires="p159">
-      <p:transition xmlns:p14="http://schemas.microsoft.com/office/powerpoint/2010/main" spd="slow" p14:dur="2000">
-        <p159:morph option="byObject"/>
-      </p:transition>
+  <mc:AlternateContent xmlns:mc="http://schemas.openxmlformats.org/markup-compatibility/2006">
+    <mc:Choice xmlns:p14="http://schemas.microsoft.com/office/powerpoint/2010/main" Requires="p14">
+      <p:transition p14:dur="10"/>
     </mc:Choice>
-    <mc:Fallback xmlns="">
-      <p:transition spd="slow">
-        <p:fade/>
-      </p:transition>
+    <mc:Fallback>
+      <p:transition/>
     </mc:Fallback>
   </mc:AlternateContent>
 </p:sldLayout>
@@ -2565,16 +2514,12 @@
   <p:clrMapOvr>
     <a:masterClrMapping/>
   </p:clrMapOvr>
-  <mc:AlternateContent xmlns:mc="http://schemas.openxmlformats.org/markup-compatibility/2006" xmlns:p159="http://schemas.microsoft.com/office/powerpoint/2015/09/main">
-    <mc:Choice Requires="p159">
-      <p:transition xmlns:p14="http://schemas.microsoft.com/office/powerpoint/2010/main" spd="slow" p14:dur="2000">
-        <p159:morph option="byObject"/>
-      </p:transition>
+  <mc:AlternateContent xmlns:mc="http://schemas.openxmlformats.org/markup-compatibility/2006">
+    <mc:Choice xmlns:p14="http://schemas.microsoft.com/office/powerpoint/2010/main" Requires="p14">
+      <p:transition p14:dur="10"/>
     </mc:Choice>
-    <mc:Fallback xmlns="">
-      <p:transition spd="slow">
-        <p:fade/>
-      </p:transition>
+    <mc:Fallback>
+      <p:transition/>
     </mc:Fallback>
   </mc:AlternateContent>
 </p:sldLayout>
@@ -2888,16 +2833,12 @@
   <p:clrMapOvr>
     <a:masterClrMapping/>
   </p:clrMapOvr>
-  <mc:AlternateContent xmlns:mc="http://schemas.openxmlformats.org/markup-compatibility/2006" xmlns:p159="http://schemas.microsoft.com/office/powerpoint/2015/09/main">
-    <mc:Choice Requires="p159">
-      <p:transition xmlns:p14="http://schemas.microsoft.com/office/powerpoint/2010/main" spd="slow" p14:dur="2000">
-        <p159:morph option="byObject"/>
-      </p:transition>
+  <mc:AlternateContent xmlns:mc="http://schemas.openxmlformats.org/markup-compatibility/2006">
+    <mc:Choice xmlns:p14="http://schemas.microsoft.com/office/powerpoint/2010/main" Requires="p14">
+      <p:transition p14:dur="10"/>
     </mc:Choice>
-    <mc:Fallback xmlns="">
-      <p:transition spd="slow">
-        <p:fade/>
-      </p:transition>
+    <mc:Fallback>
+      <p:transition/>
     </mc:Fallback>
   </mc:AlternateContent>
 </p:sldLayout>
@@ -3188,16 +3129,12 @@
   <p:clrMapOvr>
     <a:masterClrMapping/>
   </p:clrMapOvr>
-  <mc:AlternateContent xmlns:mc="http://schemas.openxmlformats.org/markup-compatibility/2006" xmlns:p159="http://schemas.microsoft.com/office/powerpoint/2015/09/main">
-    <mc:Choice Requires="p159">
-      <p:transition xmlns:p14="http://schemas.microsoft.com/office/powerpoint/2010/main" spd="slow" p14:dur="2000">
-        <p159:morph option="byObject"/>
-      </p:transition>
+  <mc:AlternateContent xmlns:mc="http://schemas.openxmlformats.org/markup-compatibility/2006">
+    <mc:Choice xmlns:p14="http://schemas.microsoft.com/office/powerpoint/2010/main" Requires="p14">
+      <p:transition p14:dur="10"/>
     </mc:Choice>
-    <mc:Fallback xmlns="">
-      <p:transition spd="slow">
-        <p:fade/>
-      </p:transition>
+    <mc:Fallback>
+      <p:transition/>
     </mc:Fallback>
   </mc:AlternateContent>
 </p:sldLayout>
@@ -3488,16 +3425,12 @@
     <p:sldLayoutId id="2147483658" r:id="rId10"/>
     <p:sldLayoutId id="2147483659" r:id="rId11"/>
   </p:sldLayoutIdLst>
-  <mc:AlternateContent xmlns:mc="http://schemas.openxmlformats.org/markup-compatibility/2006" xmlns:p159="http://schemas.microsoft.com/office/powerpoint/2015/09/main">
-    <mc:Choice Requires="p159">
-      <p:transition xmlns:p14="http://schemas.microsoft.com/office/powerpoint/2010/main" spd="slow" p14:dur="2000">
-        <p159:morph option="byObject"/>
-      </p:transition>
+  <mc:AlternateContent xmlns:mc="http://schemas.openxmlformats.org/markup-compatibility/2006">
+    <mc:Choice xmlns:p14="http://schemas.microsoft.com/office/powerpoint/2010/main" Requires="p14">
+      <p:transition p14:dur="10"/>
     </mc:Choice>
-    <mc:Fallback xmlns="">
-      <p:transition spd="slow">
-        <p:fade/>
-      </p:transition>
+    <mc:Fallback>
+      <p:transition/>
     </mc:Fallback>
   </mc:AlternateContent>
   <p:txStyles>
@@ -3784,7 +3717,7 @@
 </file>
 
 <file path=ppt/slides/slide1.xml><?xml version="1.0" encoding="utf-8"?>
-<p:sld xmlns:a="http://schemas.openxmlformats.org/drawingml/2006/main" xmlns:r="http://schemas.openxmlformats.org/officeDocument/2006/relationships" xmlns:p="http://schemas.openxmlformats.org/presentationml/2006/main" show="0">
+<p:sld xmlns:a="http://schemas.openxmlformats.org/drawingml/2006/main" xmlns:r="http://schemas.openxmlformats.org/officeDocument/2006/relationships" xmlns:p="http://schemas.openxmlformats.org/presentationml/2006/main">
   <p:cSld>
     <p:bg>
       <p:bgPr>
@@ -3967,17 +3900,17 @@
   </p:clrMapOvr>
   <mc:AlternateContent xmlns:mc="http://schemas.openxmlformats.org/markup-compatibility/2006">
     <mc:Choice xmlns:p14="http://schemas.microsoft.com/office/powerpoint/2010/main" Requires="p14">
-      <p:transition p14:dur="10" advTm="475"/>
+      <p:transition p14:dur="10"/>
     </mc:Choice>
     <mc:Fallback>
-      <p:transition advTm="475"/>
+      <p:transition/>
     </mc:Fallback>
   </mc:AlternateContent>
 </p:sld>
 </file>
 
 <file path=ppt/slides/slide10.xml><?xml version="1.0" encoding="utf-8"?>
-<p:sld xmlns:a="http://schemas.openxmlformats.org/drawingml/2006/main" xmlns:r="http://schemas.openxmlformats.org/officeDocument/2006/relationships" xmlns:p="http://schemas.openxmlformats.org/presentationml/2006/main" show="0">
+<p:sld xmlns:a="http://schemas.openxmlformats.org/drawingml/2006/main" xmlns:r="http://schemas.openxmlformats.org/officeDocument/2006/relationships" xmlns:p="http://schemas.openxmlformats.org/presentationml/2006/main">
   <p:cSld>
     <p:spTree>
       <p:nvGrpSpPr>
@@ -4482,11 +4415,11 @@
   <p:clrMapOvr>
     <a:masterClrMapping/>
   </p:clrMapOvr>
-  <mc:AlternateContent xmlns:mc="http://schemas.openxmlformats.org/markup-compatibility/2006" xmlns:p14="http://schemas.microsoft.com/office/powerpoint/2010/main">
-    <mc:Choice Requires="p14">
-      <p:transition p14:dur="0"/>
+  <mc:AlternateContent xmlns:mc="http://schemas.openxmlformats.org/markup-compatibility/2006">
+    <mc:Choice xmlns:p14="http://schemas.microsoft.com/office/powerpoint/2010/main" Requires="p14">
+      <p:transition p14:dur="10"/>
     </mc:Choice>
-    <mc:Fallback xmlns="">
+    <mc:Fallback>
       <p:transition/>
     </mc:Fallback>
   </mc:AlternateContent>
@@ -4494,7 +4427,7 @@
 </file>
 
 <file path=ppt/slides/slide11.xml><?xml version="1.0" encoding="utf-8"?>
-<p:sld xmlns:a="http://schemas.openxmlformats.org/drawingml/2006/main" xmlns:r="http://schemas.openxmlformats.org/officeDocument/2006/relationships" xmlns:p="http://schemas.openxmlformats.org/presentationml/2006/main" show="0">
+<p:sld xmlns:a="http://schemas.openxmlformats.org/drawingml/2006/main" xmlns:r="http://schemas.openxmlformats.org/officeDocument/2006/relationships" xmlns:p="http://schemas.openxmlformats.org/presentationml/2006/main">
   <p:cSld>
     <p:bg>
       <p:bgPr>
@@ -4689,11 +4622,11 @@
   <p:clrMapOvr>
     <a:masterClrMapping/>
   </p:clrMapOvr>
-  <mc:AlternateContent xmlns:mc="http://schemas.openxmlformats.org/markup-compatibility/2006" xmlns:p14="http://schemas.microsoft.com/office/powerpoint/2010/main">
-    <mc:Choice Requires="p14">
-      <p:transition p14:dur="0"/>
+  <mc:AlternateContent xmlns:mc="http://schemas.openxmlformats.org/markup-compatibility/2006">
+    <mc:Choice xmlns:p14="http://schemas.microsoft.com/office/powerpoint/2010/main" Requires="p14">
+      <p:transition p14:dur="10"/>
     </mc:Choice>
-    <mc:Fallback xmlns="">
+    <mc:Fallback>
       <p:transition/>
     </mc:Fallback>
   </mc:AlternateContent>
@@ -4701,7 +4634,7 @@
 </file>
 
 <file path=ppt/slides/slide2.xml><?xml version="1.0" encoding="utf-8"?>
-<p:sld xmlns:a="http://schemas.openxmlformats.org/drawingml/2006/main" xmlns:r="http://schemas.openxmlformats.org/officeDocument/2006/relationships" xmlns:p="http://schemas.openxmlformats.org/presentationml/2006/main" show="0">
+<p:sld xmlns:a="http://schemas.openxmlformats.org/drawingml/2006/main" xmlns:r="http://schemas.openxmlformats.org/officeDocument/2006/relationships" xmlns:p="http://schemas.openxmlformats.org/presentationml/2006/main">
   <p:cSld>
     <p:spTree>
       <p:nvGrpSpPr>
@@ -5170,19 +5103,19 @@
   <p:clrMapOvr>
     <a:masterClrMapping/>
   </p:clrMapOvr>
-  <mc:AlternateContent xmlns:mc="http://schemas.openxmlformats.org/markup-compatibility/2006" xmlns:p14="http://schemas.microsoft.com/office/powerpoint/2010/main">
-    <mc:Choice Requires="p14">
-      <p:transition p14:dur="0" advTm="703"/>
+  <mc:AlternateContent xmlns:mc="http://schemas.openxmlformats.org/markup-compatibility/2006">
+    <mc:Choice xmlns:p14="http://schemas.microsoft.com/office/powerpoint/2010/main" Requires="p14">
+      <p:transition p14:dur="10"/>
     </mc:Choice>
-    <mc:Fallback xmlns="">
-      <p:transition advTm="703"/>
+    <mc:Fallback>
+      <p:transition/>
     </mc:Fallback>
   </mc:AlternateContent>
 </p:sld>
 </file>
 
 <file path=ppt/slides/slide3.xml><?xml version="1.0" encoding="utf-8"?>
-<p:sld xmlns:a="http://schemas.openxmlformats.org/drawingml/2006/main" xmlns:r="http://schemas.openxmlformats.org/officeDocument/2006/relationships" xmlns:p="http://schemas.openxmlformats.org/presentationml/2006/main" show="0">
+<p:sld xmlns:a="http://schemas.openxmlformats.org/drawingml/2006/main" xmlns:r="http://schemas.openxmlformats.org/officeDocument/2006/relationships" xmlns:p="http://schemas.openxmlformats.org/presentationml/2006/main">
   <p:cSld>
     <p:spTree>
       <p:nvGrpSpPr>
@@ -5463,19 +5396,19 @@
   <p:clrMapOvr>
     <a:masterClrMapping/>
   </p:clrMapOvr>
-  <mc:AlternateContent xmlns:mc="http://schemas.openxmlformats.org/markup-compatibility/2006" xmlns:p14="http://schemas.microsoft.com/office/powerpoint/2010/main">
-    <mc:Choice Requires="p14">
-      <p:transition p14:dur="0" advTm="571"/>
+  <mc:AlternateContent xmlns:mc="http://schemas.openxmlformats.org/markup-compatibility/2006">
+    <mc:Choice xmlns:p14="http://schemas.microsoft.com/office/powerpoint/2010/main" Requires="p14">
+      <p:transition p14:dur="10"/>
     </mc:Choice>
-    <mc:Fallback xmlns="">
-      <p:transition advTm="571"/>
+    <mc:Fallback>
+      <p:transition/>
     </mc:Fallback>
   </mc:AlternateContent>
 </p:sld>
 </file>
 
 <file path=ppt/slides/slide4.xml><?xml version="1.0" encoding="utf-8"?>
-<p:sld xmlns:a="http://schemas.openxmlformats.org/drawingml/2006/main" xmlns:r="http://schemas.openxmlformats.org/officeDocument/2006/relationships" xmlns:p="http://schemas.openxmlformats.org/presentationml/2006/main" show="0">
+<p:sld xmlns:a="http://schemas.openxmlformats.org/drawingml/2006/main" xmlns:r="http://schemas.openxmlformats.org/officeDocument/2006/relationships" xmlns:p="http://schemas.openxmlformats.org/presentationml/2006/main">
   <p:cSld>
     <p:spTree>
       <p:nvGrpSpPr>
@@ -5853,11 +5786,11 @@
   <p:clrMapOvr>
     <a:masterClrMapping/>
   </p:clrMapOvr>
-  <mc:AlternateContent xmlns:mc="http://schemas.openxmlformats.org/markup-compatibility/2006" xmlns:p14="http://schemas.microsoft.com/office/powerpoint/2010/main">
-    <mc:Choice Requires="p14">
-      <p:transition p14:dur="0"/>
+  <mc:AlternateContent xmlns:mc="http://schemas.openxmlformats.org/markup-compatibility/2006">
+    <mc:Choice xmlns:p14="http://schemas.microsoft.com/office/powerpoint/2010/main" Requires="p14">
+      <p:transition p14:dur="10"/>
     </mc:Choice>
-    <mc:Fallback xmlns="">
+    <mc:Fallback>
       <p:transition/>
     </mc:Fallback>
   </mc:AlternateContent>
@@ -5865,7 +5798,7 @@
 </file>
 
 <file path=ppt/slides/slide5.xml><?xml version="1.0" encoding="utf-8"?>
-<p:sld xmlns:a="http://schemas.openxmlformats.org/drawingml/2006/main" xmlns:r="http://schemas.openxmlformats.org/officeDocument/2006/relationships" xmlns:p="http://schemas.openxmlformats.org/presentationml/2006/main" show="0">
+<p:sld xmlns:a="http://schemas.openxmlformats.org/drawingml/2006/main" xmlns:r="http://schemas.openxmlformats.org/officeDocument/2006/relationships" xmlns:p="http://schemas.openxmlformats.org/presentationml/2006/main">
   <p:cSld>
     <p:spTree>
       <p:nvGrpSpPr>
@@ -6090,11 +6023,11 @@
   <p:clrMapOvr>
     <a:masterClrMapping/>
   </p:clrMapOvr>
-  <mc:AlternateContent xmlns:mc="http://schemas.openxmlformats.org/markup-compatibility/2006" xmlns:p14="http://schemas.microsoft.com/office/powerpoint/2010/main">
-    <mc:Choice Requires="p14">
-      <p:transition p14:dur="0"/>
+  <mc:AlternateContent xmlns:mc="http://schemas.openxmlformats.org/markup-compatibility/2006">
+    <mc:Choice xmlns:p14="http://schemas.microsoft.com/office/powerpoint/2010/main" Requires="p14">
+      <p:transition p14:dur="10"/>
     </mc:Choice>
-    <mc:Fallback xmlns="">
+    <mc:Fallback>
       <p:transition/>
     </mc:Fallback>
   </mc:AlternateContent>
@@ -6102,7 +6035,7 @@
 </file>
 
 <file path=ppt/slides/slide6.xml><?xml version="1.0" encoding="utf-8"?>
-<p:sld xmlns:a="http://schemas.openxmlformats.org/drawingml/2006/main" xmlns:r="http://schemas.openxmlformats.org/officeDocument/2006/relationships" xmlns:p="http://schemas.openxmlformats.org/presentationml/2006/main" show="0">
+<p:sld xmlns:a="http://schemas.openxmlformats.org/drawingml/2006/main" xmlns:r="http://schemas.openxmlformats.org/officeDocument/2006/relationships" xmlns:p="http://schemas.openxmlformats.org/presentationml/2006/main">
   <p:cSld>
     <p:spTree>
       <p:nvGrpSpPr>
@@ -6656,11 +6589,11 @@
   <p:clrMapOvr>
     <a:masterClrMapping/>
   </p:clrMapOvr>
-  <mc:AlternateContent xmlns:mc="http://schemas.openxmlformats.org/markup-compatibility/2006" xmlns:p14="http://schemas.microsoft.com/office/powerpoint/2010/main">
-    <mc:Choice Requires="p14">
-      <p:transition p14:dur="0"/>
+  <mc:AlternateContent xmlns:mc="http://schemas.openxmlformats.org/markup-compatibility/2006">
+    <mc:Choice xmlns:p14="http://schemas.microsoft.com/office/powerpoint/2010/main" Requires="p14">
+      <p:transition p14:dur="10"/>
     </mc:Choice>
-    <mc:Fallback xmlns="">
+    <mc:Fallback>
       <p:transition/>
     </mc:Fallback>
   </mc:AlternateContent>
@@ -6668,7 +6601,7 @@
 </file>
 
 <file path=ppt/slides/slide7.xml><?xml version="1.0" encoding="utf-8"?>
-<p:sld xmlns:a="http://schemas.openxmlformats.org/drawingml/2006/main" xmlns:r="http://schemas.openxmlformats.org/officeDocument/2006/relationships" xmlns:p="http://schemas.openxmlformats.org/presentationml/2006/main" show="0">
+<p:sld xmlns:a="http://schemas.openxmlformats.org/drawingml/2006/main" xmlns:r="http://schemas.openxmlformats.org/officeDocument/2006/relationships" xmlns:p="http://schemas.openxmlformats.org/presentationml/2006/main">
   <p:cSld>
     <p:spTree>
       <p:nvGrpSpPr>
@@ -7295,11 +7228,11 @@
   <p:clrMapOvr>
     <a:masterClrMapping/>
   </p:clrMapOvr>
-  <mc:AlternateContent xmlns:mc="http://schemas.openxmlformats.org/markup-compatibility/2006" xmlns:p14="http://schemas.microsoft.com/office/powerpoint/2010/main">
-    <mc:Choice Requires="p14">
-      <p:transition p14:dur="0"/>
+  <mc:AlternateContent xmlns:mc="http://schemas.openxmlformats.org/markup-compatibility/2006">
+    <mc:Choice xmlns:p14="http://schemas.microsoft.com/office/powerpoint/2010/main" Requires="p14">
+      <p:transition p14:dur="10"/>
     </mc:Choice>
-    <mc:Fallback xmlns="">
+    <mc:Fallback>
       <p:transition/>
     </mc:Fallback>
   </mc:AlternateContent>
@@ -7307,7 +7240,7 @@
 </file>
 
 <file path=ppt/slides/slide8.xml><?xml version="1.0" encoding="utf-8"?>
-<p:sld xmlns:a="http://schemas.openxmlformats.org/drawingml/2006/main" xmlns:r="http://schemas.openxmlformats.org/officeDocument/2006/relationships" xmlns:p="http://schemas.openxmlformats.org/presentationml/2006/main" show="0">
+<p:sld xmlns:a="http://schemas.openxmlformats.org/drawingml/2006/main" xmlns:r="http://schemas.openxmlformats.org/officeDocument/2006/relationships" xmlns:p="http://schemas.openxmlformats.org/presentationml/2006/main">
   <p:cSld>
     <p:spTree>
       <p:nvGrpSpPr>
@@ -8037,11 +7970,11 @@
   <p:clrMapOvr>
     <a:masterClrMapping/>
   </p:clrMapOvr>
-  <mc:AlternateContent xmlns:mc="http://schemas.openxmlformats.org/markup-compatibility/2006" xmlns:p14="http://schemas.microsoft.com/office/powerpoint/2010/main">
-    <mc:Choice Requires="p14">
-      <p:transition p14:dur="0"/>
+  <mc:AlternateContent xmlns:mc="http://schemas.openxmlformats.org/markup-compatibility/2006">
+    <mc:Choice xmlns:p14="http://schemas.microsoft.com/office/powerpoint/2010/main" Requires="p14">
+      <p:transition p14:dur="10"/>
     </mc:Choice>
-    <mc:Fallback xmlns="">
+    <mc:Fallback>
       <p:transition/>
     </mc:Fallback>
   </mc:AlternateContent>
@@ -8049,7 +7982,7 @@
 </file>
 
 <file path=ppt/slides/slide9.xml><?xml version="1.0" encoding="utf-8"?>
-<p:sld xmlns:a="http://schemas.openxmlformats.org/drawingml/2006/main" xmlns:r="http://schemas.openxmlformats.org/officeDocument/2006/relationships" xmlns:p="http://schemas.openxmlformats.org/presentationml/2006/main" show="0">
+<p:sld xmlns:a="http://schemas.openxmlformats.org/drawingml/2006/main" xmlns:r="http://schemas.openxmlformats.org/officeDocument/2006/relationships" xmlns:p="http://schemas.openxmlformats.org/presentationml/2006/main">
   <p:cSld>
     <p:spTree>
       <p:nvGrpSpPr>
@@ -8728,11 +8661,11 @@
   <p:clrMapOvr>
     <a:masterClrMapping/>
   </p:clrMapOvr>
-  <mc:AlternateContent xmlns:mc="http://schemas.openxmlformats.org/markup-compatibility/2006" xmlns:p14="http://schemas.microsoft.com/office/powerpoint/2010/main">
-    <mc:Choice Requires="p14">
-      <p:transition p14:dur="0"/>
+  <mc:AlternateContent xmlns:mc="http://schemas.openxmlformats.org/markup-compatibility/2006">
+    <mc:Choice xmlns:p14="http://schemas.microsoft.com/office/powerpoint/2010/main" Requires="p14">
+      <p:transition p14:dur="10"/>
     </mc:Choice>
-    <mc:Fallback xmlns="">
+    <mc:Fallback>
       <p:transition/>
     </mc:Fallback>
   </mc:AlternateContent>

--- a/231108/231108ppt.pptx
+++ b/231108/231108ppt.pptx
@@ -545,11 +545,11 @@
   <p:clrMapOvr>
     <a:masterClrMapping/>
   </p:clrMapOvr>
-  <mc:AlternateContent xmlns:mc="http://schemas.openxmlformats.org/markup-compatibility/2006">
-    <mc:Choice xmlns:p14="http://schemas.microsoft.com/office/powerpoint/2010/main" Requires="p14">
+  <mc:AlternateContent xmlns:mc="http://schemas.openxmlformats.org/markup-compatibility/2006" xmlns:p14="http://schemas.microsoft.com/office/powerpoint/2010/main">
+    <mc:Choice Requires="p14">
       <p:transition p14:dur="10"/>
     </mc:Choice>
-    <mc:Fallback>
+    <mc:Fallback xmlns="">
       <p:transition/>
     </mc:Fallback>
   </mc:AlternateContent>
@@ -751,11 +751,11 @@
   <p:clrMapOvr>
     <a:masterClrMapping/>
   </p:clrMapOvr>
-  <mc:AlternateContent xmlns:mc="http://schemas.openxmlformats.org/markup-compatibility/2006">
-    <mc:Choice xmlns:p14="http://schemas.microsoft.com/office/powerpoint/2010/main" Requires="p14">
+  <mc:AlternateContent xmlns:mc="http://schemas.openxmlformats.org/markup-compatibility/2006" xmlns:p14="http://schemas.microsoft.com/office/powerpoint/2010/main">
+    <mc:Choice Requires="p14">
       <p:transition p14:dur="10"/>
     </mc:Choice>
-    <mc:Fallback>
+    <mc:Fallback xmlns="">
       <p:transition/>
     </mc:Fallback>
   </mc:AlternateContent>
@@ -967,11 +967,11 @@
   <p:clrMapOvr>
     <a:masterClrMapping/>
   </p:clrMapOvr>
-  <mc:AlternateContent xmlns:mc="http://schemas.openxmlformats.org/markup-compatibility/2006">
-    <mc:Choice xmlns:p14="http://schemas.microsoft.com/office/powerpoint/2010/main" Requires="p14">
+  <mc:AlternateContent xmlns:mc="http://schemas.openxmlformats.org/markup-compatibility/2006" xmlns:p14="http://schemas.microsoft.com/office/powerpoint/2010/main">
+    <mc:Choice Requires="p14">
       <p:transition p14:dur="10"/>
     </mc:Choice>
-    <mc:Fallback>
+    <mc:Fallback xmlns="">
       <p:transition/>
     </mc:Fallback>
   </mc:AlternateContent>
@@ -1173,11 +1173,11 @@
   <p:clrMapOvr>
     <a:masterClrMapping/>
   </p:clrMapOvr>
-  <mc:AlternateContent xmlns:mc="http://schemas.openxmlformats.org/markup-compatibility/2006">
-    <mc:Choice xmlns:p14="http://schemas.microsoft.com/office/powerpoint/2010/main" Requires="p14">
+  <mc:AlternateContent xmlns:mc="http://schemas.openxmlformats.org/markup-compatibility/2006" xmlns:p14="http://schemas.microsoft.com/office/powerpoint/2010/main">
+    <mc:Choice Requires="p14">
       <p:transition p14:dur="10"/>
     </mc:Choice>
-    <mc:Fallback>
+    <mc:Fallback xmlns="">
       <p:transition/>
     </mc:Fallback>
   </mc:AlternateContent>
@@ -1456,11 +1456,11 @@
   <p:clrMapOvr>
     <a:masterClrMapping/>
   </p:clrMapOvr>
-  <mc:AlternateContent xmlns:mc="http://schemas.openxmlformats.org/markup-compatibility/2006">
-    <mc:Choice xmlns:p14="http://schemas.microsoft.com/office/powerpoint/2010/main" Requires="p14">
+  <mc:AlternateContent xmlns:mc="http://schemas.openxmlformats.org/markup-compatibility/2006" xmlns:p14="http://schemas.microsoft.com/office/powerpoint/2010/main">
+    <mc:Choice Requires="p14">
       <p:transition p14:dur="10"/>
     </mc:Choice>
-    <mc:Fallback>
+    <mc:Fallback xmlns="">
       <p:transition/>
     </mc:Fallback>
   </mc:AlternateContent>
@@ -1729,11 +1729,11 @@
   <p:clrMapOvr>
     <a:masterClrMapping/>
   </p:clrMapOvr>
-  <mc:AlternateContent xmlns:mc="http://schemas.openxmlformats.org/markup-compatibility/2006">
-    <mc:Choice xmlns:p14="http://schemas.microsoft.com/office/powerpoint/2010/main" Requires="p14">
+  <mc:AlternateContent xmlns:mc="http://schemas.openxmlformats.org/markup-compatibility/2006" xmlns:p14="http://schemas.microsoft.com/office/powerpoint/2010/main">
+    <mc:Choice Requires="p14">
       <p:transition p14:dur="10"/>
     </mc:Choice>
-    <mc:Fallback>
+    <mc:Fallback xmlns="">
       <p:transition/>
     </mc:Fallback>
   </mc:AlternateContent>
@@ -2149,11 +2149,11 @@
   <p:clrMapOvr>
     <a:masterClrMapping/>
   </p:clrMapOvr>
-  <mc:AlternateContent xmlns:mc="http://schemas.openxmlformats.org/markup-compatibility/2006">
-    <mc:Choice xmlns:p14="http://schemas.microsoft.com/office/powerpoint/2010/main" Requires="p14">
+  <mc:AlternateContent xmlns:mc="http://schemas.openxmlformats.org/markup-compatibility/2006" xmlns:p14="http://schemas.microsoft.com/office/powerpoint/2010/main">
+    <mc:Choice Requires="p14">
       <p:transition p14:dur="10"/>
     </mc:Choice>
-    <mc:Fallback>
+    <mc:Fallback xmlns="">
       <p:transition/>
     </mc:Fallback>
   </mc:AlternateContent>
@@ -2298,11 +2298,11 @@
   <p:clrMapOvr>
     <a:masterClrMapping/>
   </p:clrMapOvr>
-  <mc:AlternateContent xmlns:mc="http://schemas.openxmlformats.org/markup-compatibility/2006">
-    <mc:Choice xmlns:p14="http://schemas.microsoft.com/office/powerpoint/2010/main" Requires="p14">
+  <mc:AlternateContent xmlns:mc="http://schemas.openxmlformats.org/markup-compatibility/2006" xmlns:p14="http://schemas.microsoft.com/office/powerpoint/2010/main">
+    <mc:Choice Requires="p14">
       <p:transition p14:dur="10"/>
     </mc:Choice>
-    <mc:Fallback>
+    <mc:Fallback xmlns="">
       <p:transition/>
     </mc:Fallback>
   </mc:AlternateContent>
@@ -2514,11 +2514,11 @@
   <p:clrMapOvr>
     <a:masterClrMapping/>
   </p:clrMapOvr>
-  <mc:AlternateContent xmlns:mc="http://schemas.openxmlformats.org/markup-compatibility/2006">
-    <mc:Choice xmlns:p14="http://schemas.microsoft.com/office/powerpoint/2010/main" Requires="p14">
+  <mc:AlternateContent xmlns:mc="http://schemas.openxmlformats.org/markup-compatibility/2006" xmlns:p14="http://schemas.microsoft.com/office/powerpoint/2010/main">
+    <mc:Choice Requires="p14">
       <p:transition p14:dur="10"/>
     </mc:Choice>
-    <mc:Fallback>
+    <mc:Fallback xmlns="">
       <p:transition/>
     </mc:Fallback>
   </mc:AlternateContent>
@@ -2833,11 +2833,11 @@
   <p:clrMapOvr>
     <a:masterClrMapping/>
   </p:clrMapOvr>
-  <mc:AlternateContent xmlns:mc="http://schemas.openxmlformats.org/markup-compatibility/2006">
-    <mc:Choice xmlns:p14="http://schemas.microsoft.com/office/powerpoint/2010/main" Requires="p14">
+  <mc:AlternateContent xmlns:mc="http://schemas.openxmlformats.org/markup-compatibility/2006" xmlns:p14="http://schemas.microsoft.com/office/powerpoint/2010/main">
+    <mc:Choice Requires="p14">
       <p:transition p14:dur="10"/>
     </mc:Choice>
-    <mc:Fallback>
+    <mc:Fallback xmlns="">
       <p:transition/>
     </mc:Fallback>
   </mc:AlternateContent>
@@ -3129,11 +3129,11 @@
   <p:clrMapOvr>
     <a:masterClrMapping/>
   </p:clrMapOvr>
-  <mc:AlternateContent xmlns:mc="http://schemas.openxmlformats.org/markup-compatibility/2006">
-    <mc:Choice xmlns:p14="http://schemas.microsoft.com/office/powerpoint/2010/main" Requires="p14">
+  <mc:AlternateContent xmlns:mc="http://schemas.openxmlformats.org/markup-compatibility/2006" xmlns:p14="http://schemas.microsoft.com/office/powerpoint/2010/main">
+    <mc:Choice Requires="p14">
       <p:transition p14:dur="10"/>
     </mc:Choice>
-    <mc:Fallback>
+    <mc:Fallback xmlns="">
       <p:transition/>
     </mc:Fallback>
   </mc:AlternateContent>
@@ -3425,11 +3425,11 @@
     <p:sldLayoutId id="2147483658" r:id="rId10"/>
     <p:sldLayoutId id="2147483659" r:id="rId11"/>
   </p:sldLayoutIdLst>
-  <mc:AlternateContent xmlns:mc="http://schemas.openxmlformats.org/markup-compatibility/2006">
-    <mc:Choice xmlns:p14="http://schemas.microsoft.com/office/powerpoint/2010/main" Requires="p14">
+  <mc:AlternateContent xmlns:mc="http://schemas.openxmlformats.org/markup-compatibility/2006" xmlns:p14="http://schemas.microsoft.com/office/powerpoint/2010/main">
+    <mc:Choice Requires="p14">
       <p:transition p14:dur="10"/>
     </mc:Choice>
-    <mc:Fallback>
+    <mc:Fallback xmlns="">
       <p:transition/>
     </mc:Fallback>
   </mc:AlternateContent>
@@ -3898,11 +3898,11 @@
   <p:clrMapOvr>
     <a:masterClrMapping/>
   </p:clrMapOvr>
-  <mc:AlternateContent xmlns:mc="http://schemas.openxmlformats.org/markup-compatibility/2006">
-    <mc:Choice xmlns:p14="http://schemas.microsoft.com/office/powerpoint/2010/main" Requires="p14">
+  <mc:AlternateContent xmlns:mc="http://schemas.openxmlformats.org/markup-compatibility/2006" xmlns:p14="http://schemas.microsoft.com/office/powerpoint/2010/main">
+    <mc:Choice Requires="p14">
       <p:transition p14:dur="10"/>
     </mc:Choice>
-    <mc:Fallback>
+    <mc:Fallback xmlns="">
       <p:transition/>
     </mc:Fallback>
   </mc:AlternateContent>
@@ -4415,11 +4415,11 @@
   <p:clrMapOvr>
     <a:masterClrMapping/>
   </p:clrMapOvr>
-  <mc:AlternateContent xmlns:mc="http://schemas.openxmlformats.org/markup-compatibility/2006">
-    <mc:Choice xmlns:p14="http://schemas.microsoft.com/office/powerpoint/2010/main" Requires="p14">
+  <mc:AlternateContent xmlns:mc="http://schemas.openxmlformats.org/markup-compatibility/2006" xmlns:p14="http://schemas.microsoft.com/office/powerpoint/2010/main">
+    <mc:Choice Requires="p14">
       <p:transition p14:dur="10"/>
     </mc:Choice>
-    <mc:Fallback>
+    <mc:Fallback xmlns="">
       <p:transition/>
     </mc:Fallback>
   </mc:AlternateContent>
@@ -4622,11 +4622,11 @@
   <p:clrMapOvr>
     <a:masterClrMapping/>
   </p:clrMapOvr>
-  <mc:AlternateContent xmlns:mc="http://schemas.openxmlformats.org/markup-compatibility/2006">
-    <mc:Choice xmlns:p14="http://schemas.microsoft.com/office/powerpoint/2010/main" Requires="p14">
+  <mc:AlternateContent xmlns:mc="http://schemas.openxmlformats.org/markup-compatibility/2006" xmlns:p14="http://schemas.microsoft.com/office/powerpoint/2010/main">
+    <mc:Choice Requires="p14">
       <p:transition p14:dur="10"/>
     </mc:Choice>
-    <mc:Fallback>
+    <mc:Fallback xmlns="">
       <p:transition/>
     </mc:Fallback>
   </mc:AlternateContent>
@@ -5103,11 +5103,11 @@
   <p:clrMapOvr>
     <a:masterClrMapping/>
   </p:clrMapOvr>
-  <mc:AlternateContent xmlns:mc="http://schemas.openxmlformats.org/markup-compatibility/2006">
-    <mc:Choice xmlns:p14="http://schemas.microsoft.com/office/powerpoint/2010/main" Requires="p14">
+  <mc:AlternateContent xmlns:mc="http://schemas.openxmlformats.org/markup-compatibility/2006" xmlns:p14="http://schemas.microsoft.com/office/powerpoint/2010/main">
+    <mc:Choice Requires="p14">
       <p:transition p14:dur="10"/>
     </mc:Choice>
-    <mc:Fallback>
+    <mc:Fallback xmlns="">
       <p:transition/>
     </mc:Fallback>
   </mc:AlternateContent>
@@ -5180,7 +5180,7 @@
         </p:nvSpPr>
         <p:spPr>
           <a:xfrm>
-            <a:off x="0" y="0"/>
+            <a:off x="-86360" y="0"/>
             <a:ext cx="12192000" cy="6858000"/>
           </a:xfrm>
           <a:prstGeom prst="rect">
@@ -5234,10 +5234,10 @@
         </p:nvGrpSpPr>
         <p:grpSpPr>
           <a:xfrm>
-            <a:off x="3587077" y="2345306"/>
-            <a:ext cx="5017845" cy="2594902"/>
+            <a:off x="3448167" y="2345306"/>
+            <a:ext cx="5295666" cy="2594902"/>
             <a:chOff x="3587077" y="2611120"/>
-            <a:chExt cx="5017845" cy="2594902"/>
+            <a:chExt cx="5295666" cy="2594902"/>
           </a:xfrm>
         </p:grpSpPr>
         <p:sp>
@@ -5351,7 +5351,7 @@
           <p:spPr>
             <a:xfrm>
               <a:off x="3587077" y="4805912"/>
-              <a:ext cx="5017845" cy="400110"/>
+              <a:ext cx="5295666" cy="400110"/>
             </a:xfrm>
             <a:prstGeom prst="rect">
               <a:avLst/>
@@ -5396,11 +5396,11 @@
   <p:clrMapOvr>
     <a:masterClrMapping/>
   </p:clrMapOvr>
-  <mc:AlternateContent xmlns:mc="http://schemas.openxmlformats.org/markup-compatibility/2006">
-    <mc:Choice xmlns:p14="http://schemas.microsoft.com/office/powerpoint/2010/main" Requires="p14">
+  <mc:AlternateContent xmlns:mc="http://schemas.openxmlformats.org/markup-compatibility/2006" xmlns:p14="http://schemas.microsoft.com/office/powerpoint/2010/main">
+    <mc:Choice Requires="p14">
       <p:transition p14:dur="10"/>
     </mc:Choice>
-    <mc:Fallback>
+    <mc:Fallback xmlns="">
       <p:transition/>
     </mc:Fallback>
   </mc:AlternateContent>
@@ -5786,11 +5786,11 @@
   <p:clrMapOvr>
     <a:masterClrMapping/>
   </p:clrMapOvr>
-  <mc:AlternateContent xmlns:mc="http://schemas.openxmlformats.org/markup-compatibility/2006">
-    <mc:Choice xmlns:p14="http://schemas.microsoft.com/office/powerpoint/2010/main" Requires="p14">
+  <mc:AlternateContent xmlns:mc="http://schemas.openxmlformats.org/markup-compatibility/2006" xmlns:p14="http://schemas.microsoft.com/office/powerpoint/2010/main">
+    <mc:Choice Requires="p14">
       <p:transition p14:dur="10"/>
     </mc:Choice>
-    <mc:Fallback>
+    <mc:Fallback xmlns="">
       <p:transition/>
     </mc:Fallback>
   </mc:AlternateContent>
@@ -6023,11 +6023,11 @@
   <p:clrMapOvr>
     <a:masterClrMapping/>
   </p:clrMapOvr>
-  <mc:AlternateContent xmlns:mc="http://schemas.openxmlformats.org/markup-compatibility/2006">
-    <mc:Choice xmlns:p14="http://schemas.microsoft.com/office/powerpoint/2010/main" Requires="p14">
+  <mc:AlternateContent xmlns:mc="http://schemas.openxmlformats.org/markup-compatibility/2006" xmlns:p14="http://schemas.microsoft.com/office/powerpoint/2010/main">
+    <mc:Choice Requires="p14">
       <p:transition p14:dur="10"/>
     </mc:Choice>
-    <mc:Fallback>
+    <mc:Fallback xmlns="">
       <p:transition/>
     </mc:Fallback>
   </mc:AlternateContent>
@@ -6328,9 +6328,9 @@
         <p:grpSpPr>
           <a:xfrm>
             <a:off x="6443397" y="1869843"/>
-            <a:ext cx="5578273" cy="2156083"/>
+            <a:ext cx="5578273" cy="1872735"/>
             <a:chOff x="6443397" y="1368708"/>
-            <a:chExt cx="5578273" cy="1419364"/>
+            <a:chExt cx="5578273" cy="1232834"/>
           </a:xfrm>
         </p:grpSpPr>
         <p:sp>
@@ -6348,7 +6348,7 @@
           <p:spPr>
             <a:xfrm>
               <a:off x="6443397" y="1968466"/>
-              <a:ext cx="5145881" cy="819606"/>
+              <a:ext cx="5145881" cy="633076"/>
             </a:xfrm>
             <a:prstGeom prst="rect">
               <a:avLst/>
@@ -6452,7 +6452,7 @@
                   <a:latin typeface="나눔스퀘어" panose="020B0600000101010101" pitchFamily="50" charset="-127"/>
                   <a:ea typeface="나눔스퀘어" panose="020B0600000101010101" pitchFamily="50" charset="-127"/>
                 </a:rPr>
-                <a:t>메소드를 호출하여 화면을 설정하고 게임을 시작한다</a:t>
+                <a:t>를 호출하여 화면을 설정하고 게임을 시작한다</a:t>
               </a:r>
               <a:r>
                 <a:rPr lang="en-US" altLang="ko-KR" sz="1600" spc="-150" dirty="0">
@@ -6483,7 +6483,7 @@
           <p:spPr>
             <a:xfrm>
               <a:off x="6443398" y="1368708"/>
-              <a:ext cx="2345514" cy="303917"/>
+              <a:ext cx="1763496" cy="303917"/>
             </a:xfrm>
             <a:prstGeom prst="rect">
               <a:avLst/>
@@ -6508,30 +6508,15 @@
                 </a:rPr>
                 <a:t>startGame</a:t>
               </a:r>
-              <a:r>
-                <a:rPr lang="en-US" altLang="ko-KR" sz="2400" dirty="0">
-                  <a:solidFill>
-                    <a:schemeClr val="bg2">
-                      <a:lumMod val="25000"/>
-                    </a:schemeClr>
-                  </a:solidFill>
-                  <a:latin typeface="+mj-ea"/>
-                  <a:ea typeface="+mj-ea"/>
-                </a:rPr>
-                <a:t> </a:t>
-              </a:r>
-              <a:r>
-                <a:rPr lang="ko-KR" altLang="en-US" sz="2400" dirty="0">
-                  <a:solidFill>
-                    <a:schemeClr val="bg2">
-                      <a:lumMod val="25000"/>
-                    </a:schemeClr>
-                  </a:solidFill>
-                  <a:latin typeface="+mj-ea"/>
-                  <a:ea typeface="+mj-ea"/>
-                </a:rPr>
-                <a:t>함수</a:t>
-              </a:r>
+              <a:endParaRPr lang="ko-KR" altLang="en-US" sz="2400" dirty="0">
+                <a:solidFill>
+                  <a:schemeClr val="bg2">
+                    <a:lumMod val="25000"/>
+                  </a:schemeClr>
+                </a:solidFill>
+                <a:latin typeface="+mj-ea"/>
+                <a:ea typeface="+mj-ea"/>
+              </a:endParaRPr>
             </a:p>
           </p:txBody>
         </p:sp>
@@ -6589,11 +6574,11 @@
   <p:clrMapOvr>
     <a:masterClrMapping/>
   </p:clrMapOvr>
-  <mc:AlternateContent xmlns:mc="http://schemas.openxmlformats.org/markup-compatibility/2006">
-    <mc:Choice xmlns:p14="http://schemas.microsoft.com/office/powerpoint/2010/main" Requires="p14">
+  <mc:AlternateContent xmlns:mc="http://schemas.openxmlformats.org/markup-compatibility/2006" xmlns:p14="http://schemas.microsoft.com/office/powerpoint/2010/main">
+    <mc:Choice Requires="p14">
       <p:transition p14:dur="10"/>
     </mc:Choice>
-    <mc:Fallback>
+    <mc:Fallback xmlns="">
       <p:transition/>
     </mc:Fallback>
   </mc:AlternateContent>
@@ -7228,11 +7213,11 @@
   <p:clrMapOvr>
     <a:masterClrMapping/>
   </p:clrMapOvr>
-  <mc:AlternateContent xmlns:mc="http://schemas.openxmlformats.org/markup-compatibility/2006">
-    <mc:Choice xmlns:p14="http://schemas.microsoft.com/office/powerpoint/2010/main" Requires="p14">
+  <mc:AlternateContent xmlns:mc="http://schemas.openxmlformats.org/markup-compatibility/2006" xmlns:p14="http://schemas.microsoft.com/office/powerpoint/2010/main">
+    <mc:Choice Requires="p14">
       <p:transition p14:dur="10"/>
     </mc:Choice>
-    <mc:Fallback>
+    <mc:Fallback xmlns="">
       <p:transition/>
     </mc:Fallback>
   </mc:AlternateContent>
@@ -7503,9 +7488,9 @@
         <p:grpSpPr>
           <a:xfrm>
             <a:off x="6443397" y="1110405"/>
-            <a:ext cx="5578273" cy="4815271"/>
+            <a:ext cx="5578273" cy="4236459"/>
             <a:chOff x="6443397" y="1368708"/>
-            <a:chExt cx="5578273" cy="3169926"/>
+            <a:chExt cx="5578273" cy="2788890"/>
           </a:xfrm>
         </p:grpSpPr>
         <p:sp>
@@ -7523,7 +7508,7 @@
           <p:spPr>
             <a:xfrm>
               <a:off x="6443397" y="1968466"/>
-              <a:ext cx="5145881" cy="2570168"/>
+              <a:ext cx="5145881" cy="2189132"/>
             </a:xfrm>
             <a:prstGeom prst="rect">
               <a:avLst/>
@@ -7756,14 +7741,14 @@
                   <a:latin typeface="나눔스퀘어" panose="020B0600000101010101" pitchFamily="50" charset="-127"/>
                   <a:ea typeface="나눔스퀘어" panose="020B0600000101010101" pitchFamily="50" charset="-127"/>
                 </a:rPr>
-                <a:t>새로운 위치를 계산하고 업데이트 하는 메소드이다</a:t>
+                <a:t>새로운 위치를 계산하고 업데이트 한다</a:t>
               </a:r>
               <a:r>
                 <a:rPr lang="en-US" altLang="ko-KR" sz="1600" spc="-150" dirty="0">
                   <a:latin typeface="나눔스퀘어" panose="020B0600000101010101" pitchFamily="50" charset="-127"/>
                   <a:ea typeface="나눔스퀘어" panose="020B0600000101010101" pitchFamily="50" charset="-127"/>
                 </a:rPr>
-                <a:t>. </a:t>
+                <a:t>.</a:t>
               </a:r>
             </a:p>
             <a:p>
@@ -7777,7 +7762,7 @@
                   <a:latin typeface="나눔스퀘어" panose="020B0600000101010101" pitchFamily="50" charset="-127"/>
                   <a:ea typeface="나눔스퀘어" panose="020B0600000101010101" pitchFamily="50" charset="-127"/>
                 </a:rPr>
-                <a:t>this.crashWith</a:t>
+                <a:t>This.crashWith</a:t>
               </a:r>
               <a:endParaRPr lang="en-US" altLang="ko-KR" sz="1600" spc="-150" dirty="0">
                 <a:latin typeface="나눔스퀘어" panose="020B0600000101010101" pitchFamily="50" charset="-127"/>
@@ -7797,7 +7782,7 @@
                   <a:latin typeface="나눔스퀘어" panose="020B0600000101010101" pitchFamily="50" charset="-127"/>
                   <a:ea typeface="나눔스퀘어" panose="020B0600000101010101" pitchFamily="50" charset="-127"/>
                 </a:rPr>
-                <a:t>플레이어가 장애물과 충돌했는지 여부를 체크하는 메소드이다</a:t>
+                <a:t>플레이어가 장애물과 충돌했는지 여부를 체크한다</a:t>
               </a:r>
               <a:r>
                 <a:rPr lang="en-US" altLang="ko-KR" sz="1600" spc="-150" dirty="0">
@@ -7846,7 +7831,7 @@
           <p:spPr>
             <a:xfrm>
               <a:off x="6443398" y="1368708"/>
-              <a:ext cx="2555508" cy="303917"/>
+              <a:ext cx="1920847" cy="303917"/>
             </a:xfrm>
             <a:prstGeom prst="rect">
               <a:avLst/>
@@ -7869,20 +7854,17 @@
                   <a:latin typeface="+mj-ea"/>
                   <a:ea typeface="+mj-ea"/>
                 </a:rPr>
-                <a:t>Component </a:t>
-              </a:r>
-              <a:r>
-                <a:rPr lang="ko-KR" altLang="en-US" sz="2400" dirty="0">
-                  <a:solidFill>
-                    <a:schemeClr val="bg2">
-                      <a:lumMod val="25000"/>
-                    </a:schemeClr>
-                  </a:solidFill>
-                  <a:latin typeface="+mj-ea"/>
-                  <a:ea typeface="+mj-ea"/>
-                </a:rPr>
-                <a:t>함수</a:t>
-              </a:r>
+                <a:t>Component</a:t>
+              </a:r>
+              <a:endParaRPr lang="ko-KR" altLang="en-US" sz="2400" dirty="0">
+                <a:solidFill>
+                  <a:schemeClr val="bg2">
+                    <a:lumMod val="25000"/>
+                  </a:schemeClr>
+                </a:solidFill>
+                <a:latin typeface="+mj-ea"/>
+                <a:ea typeface="+mj-ea"/>
+              </a:endParaRPr>
             </a:p>
           </p:txBody>
         </p:sp>
@@ -7970,11 +7952,11 @@
   <p:clrMapOvr>
     <a:masterClrMapping/>
   </p:clrMapOvr>
-  <mc:AlternateContent xmlns:mc="http://schemas.openxmlformats.org/markup-compatibility/2006">
-    <mc:Choice xmlns:p14="http://schemas.microsoft.com/office/powerpoint/2010/main" Requires="p14">
+  <mc:AlternateContent xmlns:mc="http://schemas.openxmlformats.org/markup-compatibility/2006" xmlns:p14="http://schemas.microsoft.com/office/powerpoint/2010/main">
+    <mc:Choice Requires="p14">
       <p:transition p14:dur="10"/>
     </mc:Choice>
-    <mc:Fallback>
+    <mc:Fallback xmlns="">
       <p:transition/>
     </mc:Fallback>
   </mc:AlternateContent>
@@ -8495,7 +8477,7 @@
           <p:spPr>
             <a:xfrm>
               <a:off x="6443398" y="1368708"/>
-              <a:ext cx="3330848" cy="303917"/>
+              <a:ext cx="2866619" cy="303917"/>
             </a:xfrm>
             <a:prstGeom prst="rect">
               <a:avLst/>
@@ -8532,18 +8514,15 @@
                 </a:rPr>
                 <a:t> </a:t>
               </a:r>
-              <a:r>
-                <a:rPr lang="ko-KR" altLang="en-US" sz="2400" dirty="0">
-                  <a:solidFill>
-                    <a:schemeClr val="bg2">
-                      <a:lumMod val="25000"/>
-                    </a:schemeClr>
-                  </a:solidFill>
-                  <a:latin typeface="+mj-ea"/>
-                  <a:ea typeface="+mj-ea"/>
-                </a:rPr>
-                <a:t>함수</a:t>
-              </a:r>
+              <a:endParaRPr lang="ko-KR" altLang="en-US" sz="2400" dirty="0">
+                <a:solidFill>
+                  <a:schemeClr val="bg2">
+                    <a:lumMod val="25000"/>
+                  </a:schemeClr>
+                </a:solidFill>
+                <a:latin typeface="+mj-ea"/>
+                <a:ea typeface="+mj-ea"/>
+              </a:endParaRPr>
             </a:p>
           </p:txBody>
         </p:sp>
@@ -8661,11 +8640,11 @@
   <p:clrMapOvr>
     <a:masterClrMapping/>
   </p:clrMapOvr>
-  <mc:AlternateContent xmlns:mc="http://schemas.openxmlformats.org/markup-compatibility/2006">
-    <mc:Choice xmlns:p14="http://schemas.microsoft.com/office/powerpoint/2010/main" Requires="p14">
+  <mc:AlternateContent xmlns:mc="http://schemas.openxmlformats.org/markup-compatibility/2006" xmlns:p14="http://schemas.microsoft.com/office/powerpoint/2010/main">
+    <mc:Choice Requires="p14">
       <p:transition p14:dur="10"/>
     </mc:Choice>
-    <mc:Fallback>
+    <mc:Fallback xmlns="">
       <p:transition/>
     </mc:Fallback>
   </mc:AlternateContent>
